--- a/01_FoundationProjects/10_Car-1_UltraSound_Obstacle_Avoidanace/10_Car-1_UltraSound_Obstacle_Avoidanace.pptx
+++ b/01_FoundationProjects/10_Car-1_UltraSound_Obstacle_Avoidanace/10_Car-1_UltraSound_Obstacle_Avoidanace.pptx
@@ -150,7 +150,7 @@
       </p:grpSpPr>
       <p:sp>
         <p:nvSpPr>
-          <p:cNvPr id="227716812" name="Header Placeholder 1"/>
+          <p:cNvPr id="649185254" name="Header Placeholder 1"/>
           <p:cNvSpPr>
             <a:spLocks noGrp="1"/>
           </p:cNvSpPr>
@@ -184,7 +184,7 @@
       </p:sp>
       <p:sp>
         <p:nvSpPr>
-          <p:cNvPr id="147955223" name="Date Placeholder 2"/>
+          <p:cNvPr id="23238048" name="Date Placeholder 2"/>
           <p:cNvSpPr>
             <a:spLocks noGrp="1"/>
           </p:cNvSpPr>
@@ -218,7 +218,7 @@
       </p:sp>
       <p:sp>
         <p:nvSpPr>
-          <p:cNvPr id="309167334" name="Date Placeholder 2"/>
+          <p:cNvPr id="1768845894" name="Date Placeholder 2"/>
           <p:cNvSpPr>
             <a:spLocks noGrp="1"/>
           </p:cNvSpPr>
@@ -252,7 +252,7 @@
       </p:sp>
       <p:sp>
         <p:nvSpPr>
-          <p:cNvPr id="1554976175" name="Notes Placeholder 4"/>
+          <p:cNvPr id="1122005285" name="Notes Placeholder 4"/>
           <p:cNvSpPr>
             <a:spLocks noGrp="1"/>
           </p:cNvSpPr>
@@ -282,7 +282,7 @@
       </p:sp>
       <p:sp>
         <p:nvSpPr>
-          <p:cNvPr id="739587042" name="Footer Placeholder 5"/>
+          <p:cNvPr id="2129556533" name="Footer Placeholder 5"/>
           <p:cNvSpPr>
             <a:spLocks noGrp="1"/>
           </p:cNvSpPr>
@@ -316,7 +316,7 @@
       </p:sp>
       <p:sp>
         <p:nvSpPr>
-          <p:cNvPr id="1708998896" name="Slide Number Placeholder 6"/>
+          <p:cNvPr id="2060032685" name="Slide Number Placeholder 6"/>
           <p:cNvSpPr>
             <a:spLocks noGrp="1"/>
           </p:cNvSpPr>
@@ -465,7 +465,7 @@
       </p:grpSpPr>
       <p:sp>
         <p:nvSpPr>
-          <p:cNvPr id="178770040" name="Slide Image Placeholder 1"/>
+          <p:cNvPr id="715037342" name="Slide Image Placeholder 1"/>
           <p:cNvSpPr>
             <a:spLocks noChangeAspect="1" noGrp="1" noRot="1"/>
           </p:cNvSpPr>
@@ -477,7 +477,7 @@
       </p:sp>
       <p:sp>
         <p:nvSpPr>
-          <p:cNvPr id="463817920" name="Notes Placeholder 2"/>
+          <p:cNvPr id="55558196" name="Notes Placeholder 2"/>
           <p:cNvSpPr>
             <a:spLocks noGrp="1"/>
           </p:cNvSpPr>
@@ -499,7 +499,7 @@
       </p:sp>
       <p:sp>
         <p:nvSpPr>
-          <p:cNvPr id="1640225999" name="Slide Number Placeholder 3"/>
+          <p:cNvPr id="1883459588" name="Slide Number Placeholder 3"/>
           <p:cNvSpPr>
             <a:spLocks noGrp="1"/>
           </p:cNvSpPr>
@@ -547,7 +547,7 @@
       </p:grpSpPr>
       <p:sp>
         <p:nvSpPr>
-          <p:cNvPr id="903452795" name="Slide Image Placeholder 1"/>
+          <p:cNvPr id="1469571033" name="Slide Image Placeholder 1"/>
           <p:cNvSpPr>
             <a:spLocks noChangeAspect="1" noGrp="1" noRot="1"/>
           </p:cNvSpPr>
@@ -559,7 +559,7 @@
       </p:sp>
       <p:sp>
         <p:nvSpPr>
-          <p:cNvPr id="815786085" name="Notes Placeholder 2"/>
+          <p:cNvPr id="1367219549" name="Notes Placeholder 2"/>
           <p:cNvSpPr>
             <a:spLocks noGrp="1"/>
           </p:cNvSpPr>
@@ -581,7 +581,7 @@
       </p:sp>
       <p:sp>
         <p:nvSpPr>
-          <p:cNvPr id="2060160608" name="Slide Number Placeholder 3"/>
+          <p:cNvPr id="207378846" name="Slide Number Placeholder 3"/>
           <p:cNvSpPr>
             <a:spLocks noGrp="1"/>
           </p:cNvSpPr>
@@ -629,7 +629,7 @@
       </p:grpSpPr>
       <p:sp>
         <p:nvSpPr>
-          <p:cNvPr id="40552812" name="Slide Image Placeholder 1"/>
+          <p:cNvPr id="1452436767" name="Slide Image Placeholder 1"/>
           <p:cNvSpPr>
             <a:spLocks noChangeAspect="1" noGrp="1" noRot="1"/>
           </p:cNvSpPr>
@@ -641,7 +641,7 @@
       </p:sp>
       <p:sp>
         <p:nvSpPr>
-          <p:cNvPr id="1034499965" name="Notes Placeholder 2"/>
+          <p:cNvPr id="731450072" name="Notes Placeholder 2"/>
           <p:cNvSpPr>
             <a:spLocks noGrp="1"/>
           </p:cNvSpPr>
@@ -663,7 +663,7 @@
       </p:sp>
       <p:sp>
         <p:nvSpPr>
-          <p:cNvPr id="916887728" name="Slide Number Placeholder 3"/>
+          <p:cNvPr id="1946748262" name="Slide Number Placeholder 3"/>
           <p:cNvSpPr>
             <a:spLocks noGrp="1"/>
           </p:cNvSpPr>
@@ -711,7 +711,7 @@
       </p:grpSpPr>
       <p:sp>
         <p:nvSpPr>
-          <p:cNvPr id="607953168" name="Slide Image Placeholder 1"/>
+          <p:cNvPr id="1856852014" name="Slide Image Placeholder 1"/>
           <p:cNvSpPr>
             <a:spLocks noChangeAspect="1" noGrp="1" noRot="1"/>
           </p:cNvSpPr>
@@ -723,7 +723,7 @@
       </p:sp>
       <p:sp>
         <p:nvSpPr>
-          <p:cNvPr id="1564884166" name="Notes Placeholder 2"/>
+          <p:cNvPr id="1072905796" name="Notes Placeholder 2"/>
           <p:cNvSpPr>
             <a:spLocks noGrp="1"/>
           </p:cNvSpPr>
@@ -745,7 +745,7 @@
       </p:sp>
       <p:sp>
         <p:nvSpPr>
-          <p:cNvPr id="196071174" name="Slide Number Placeholder 3"/>
+          <p:cNvPr id="1221203955" name="Slide Number Placeholder 3"/>
           <p:cNvSpPr>
             <a:spLocks noGrp="1"/>
           </p:cNvSpPr>
@@ -793,7 +793,7 @@
       </p:grpSpPr>
       <p:sp>
         <p:nvSpPr>
-          <p:cNvPr id="1899814802" name="Slide Image Placeholder 1"/>
+          <p:cNvPr id="1808539832" name="Slide Image Placeholder 1"/>
           <p:cNvSpPr>
             <a:spLocks noChangeAspect="1" noGrp="1" noRot="1"/>
           </p:cNvSpPr>
@@ -805,7 +805,7 @@
       </p:sp>
       <p:sp>
         <p:nvSpPr>
-          <p:cNvPr id="1998994393" name="Notes Placeholder 2"/>
+          <p:cNvPr id="359702693" name="Notes Placeholder 2"/>
           <p:cNvSpPr>
             <a:spLocks noGrp="1"/>
           </p:cNvSpPr>
@@ -827,7 +827,7 @@
       </p:sp>
       <p:sp>
         <p:nvSpPr>
-          <p:cNvPr id="233273699" name="Slide Number Placeholder 3"/>
+          <p:cNvPr id="38160951" name="Slide Number Placeholder 3"/>
           <p:cNvSpPr>
             <a:spLocks noGrp="1"/>
           </p:cNvSpPr>
@@ -875,7 +875,7 @@
       </p:grpSpPr>
       <p:sp>
         <p:nvSpPr>
-          <p:cNvPr id="1408665488" name="Slide Image Placeholder 1"/>
+          <p:cNvPr id="238640899" name="Slide Image Placeholder 1"/>
           <p:cNvSpPr>
             <a:spLocks noChangeAspect="1" noGrp="1" noRot="1"/>
           </p:cNvSpPr>
@@ -887,7 +887,7 @@
       </p:sp>
       <p:sp>
         <p:nvSpPr>
-          <p:cNvPr id="2006429332" name="Notes Placeholder 2"/>
+          <p:cNvPr id="1420116500" name="Notes Placeholder 2"/>
           <p:cNvSpPr>
             <a:spLocks noGrp="1"/>
           </p:cNvSpPr>
@@ -909,7 +909,7 @@
       </p:sp>
       <p:sp>
         <p:nvSpPr>
-          <p:cNvPr id="1223883898" name="Slide Number Placeholder 3"/>
+          <p:cNvPr id="869386892" name="Slide Number Placeholder 3"/>
           <p:cNvSpPr>
             <a:spLocks noGrp="1"/>
           </p:cNvSpPr>
@@ -957,7 +957,7 @@
       </p:grpSpPr>
       <p:sp>
         <p:nvSpPr>
-          <p:cNvPr id="1966454045" name="Slide Image Placeholder 1"/>
+          <p:cNvPr id="444875641" name="Slide Image Placeholder 1"/>
           <p:cNvSpPr>
             <a:spLocks noChangeAspect="1" noGrp="1" noRot="1"/>
           </p:cNvSpPr>
@@ -969,7 +969,7 @@
       </p:sp>
       <p:sp>
         <p:nvSpPr>
-          <p:cNvPr id="899366259" name="Notes Placeholder 2"/>
+          <p:cNvPr id="294230183" name="Notes Placeholder 2"/>
           <p:cNvSpPr>
             <a:spLocks noGrp="1"/>
           </p:cNvSpPr>
@@ -991,7 +991,7 @@
       </p:sp>
       <p:sp>
         <p:nvSpPr>
-          <p:cNvPr id="1787072480" name="Slide Number Placeholder 3"/>
+          <p:cNvPr id="1194872609" name="Slide Number Placeholder 3"/>
           <p:cNvSpPr>
             <a:spLocks noGrp="1"/>
           </p:cNvSpPr>
@@ -1039,7 +1039,7 @@
       </p:grpSpPr>
       <p:sp>
         <p:nvSpPr>
-          <p:cNvPr id="1023241918" name="Slide Image Placeholder 1"/>
+          <p:cNvPr id="1047585362" name="Slide Image Placeholder 1"/>
           <p:cNvSpPr>
             <a:spLocks noChangeAspect="1" noGrp="1" noRot="1"/>
           </p:cNvSpPr>
@@ -1051,7 +1051,7 @@
       </p:sp>
       <p:sp>
         <p:nvSpPr>
-          <p:cNvPr id="68527173" name="Notes Placeholder 2"/>
+          <p:cNvPr id="884742045" name="Notes Placeholder 2"/>
           <p:cNvSpPr>
             <a:spLocks noGrp="1"/>
           </p:cNvSpPr>
@@ -1073,7 +1073,7 @@
       </p:sp>
       <p:sp>
         <p:nvSpPr>
-          <p:cNvPr id="144048969" name="Slide Number Placeholder 3"/>
+          <p:cNvPr id="1307376285" name="Slide Number Placeholder 3"/>
           <p:cNvSpPr>
             <a:spLocks noGrp="1"/>
           </p:cNvSpPr>
@@ -1121,7 +1121,7 @@
       </p:grpSpPr>
       <p:sp>
         <p:nvSpPr>
-          <p:cNvPr id="89067234" name="Slide Image Placeholder 1"/>
+          <p:cNvPr id="2043132073" name="Slide Image Placeholder 1"/>
           <p:cNvSpPr>
             <a:spLocks noChangeAspect="1" noGrp="1" noRot="1"/>
           </p:cNvSpPr>
@@ -1133,7 +1133,7 @@
       </p:sp>
       <p:sp>
         <p:nvSpPr>
-          <p:cNvPr id="1885453522" name="Notes Placeholder 2"/>
+          <p:cNvPr id="112100136" name="Notes Placeholder 2"/>
           <p:cNvSpPr>
             <a:spLocks noGrp="1"/>
           </p:cNvSpPr>
@@ -1155,7 +1155,7 @@
       </p:sp>
       <p:sp>
         <p:nvSpPr>
-          <p:cNvPr id="1480611738" name="Slide Number Placeholder 3"/>
+          <p:cNvPr id="842543553" name="Slide Number Placeholder 3"/>
           <p:cNvSpPr>
             <a:spLocks noGrp="1"/>
           </p:cNvSpPr>
@@ -1203,7 +1203,7 @@
       </p:grpSpPr>
       <p:sp>
         <p:nvSpPr>
-          <p:cNvPr id="1191096673" name="Slide Image Placeholder 1"/>
+          <p:cNvPr id="611603078" name="Slide Image Placeholder 1"/>
           <p:cNvSpPr>
             <a:spLocks noChangeAspect="1" noGrp="1" noRot="1"/>
           </p:cNvSpPr>
@@ -1215,7 +1215,7 @@
       </p:sp>
       <p:sp>
         <p:nvSpPr>
-          <p:cNvPr id="843055277" name="Notes Placeholder 2"/>
+          <p:cNvPr id="193742970" name="Notes Placeholder 2"/>
           <p:cNvSpPr>
             <a:spLocks noGrp="1"/>
           </p:cNvSpPr>
@@ -1237,7 +1237,7 @@
       </p:sp>
       <p:sp>
         <p:nvSpPr>
-          <p:cNvPr id="293266631" name="Slide Number Placeholder 3"/>
+          <p:cNvPr id="913297604" name="Slide Number Placeholder 3"/>
           <p:cNvSpPr>
             <a:spLocks noGrp="1"/>
           </p:cNvSpPr>
@@ -1285,7 +1285,7 @@
       </p:grpSpPr>
       <p:sp>
         <p:nvSpPr>
-          <p:cNvPr id="1292278557" name="Slide Image Placeholder 1"/>
+          <p:cNvPr id="902473029" name="Slide Image Placeholder 1"/>
           <p:cNvSpPr>
             <a:spLocks noChangeAspect="1" noGrp="1" noRot="1"/>
           </p:cNvSpPr>
@@ -1297,7 +1297,7 @@
       </p:sp>
       <p:sp>
         <p:nvSpPr>
-          <p:cNvPr id="2105609973" name="Notes Placeholder 2"/>
+          <p:cNvPr id="1763622875" name="Notes Placeholder 2"/>
           <p:cNvSpPr>
             <a:spLocks noGrp="1"/>
           </p:cNvSpPr>
@@ -1319,7 +1319,7 @@
       </p:sp>
       <p:sp>
         <p:nvSpPr>
-          <p:cNvPr id="2031833993" name="Slide Number Placeholder 3"/>
+          <p:cNvPr id="323368" name="Slide Number Placeholder 3"/>
           <p:cNvSpPr>
             <a:spLocks noGrp="1"/>
           </p:cNvSpPr>
@@ -1367,7 +1367,7 @@
       </p:grpSpPr>
       <p:sp>
         <p:nvSpPr>
-          <p:cNvPr id="1824633202" name="Slide Image Placeholder 1"/>
+          <p:cNvPr id="1372412541" name="Slide Image Placeholder 1"/>
           <p:cNvSpPr>
             <a:spLocks noChangeAspect="1" noGrp="1" noRot="1"/>
           </p:cNvSpPr>
@@ -1379,7 +1379,7 @@
       </p:sp>
       <p:sp>
         <p:nvSpPr>
-          <p:cNvPr id="199910763" name="Notes Placeholder 2"/>
+          <p:cNvPr id="1650713826" name="Notes Placeholder 2"/>
           <p:cNvSpPr>
             <a:spLocks noGrp="1"/>
           </p:cNvSpPr>
@@ -1401,7 +1401,7 @@
       </p:sp>
       <p:sp>
         <p:nvSpPr>
-          <p:cNvPr id="458337937" name="Slide Number Placeholder 3"/>
+          <p:cNvPr id="1417347675" name="Slide Number Placeholder 3"/>
           <p:cNvSpPr>
             <a:spLocks noGrp="1"/>
           </p:cNvSpPr>
@@ -1449,7 +1449,7 @@
       </p:grpSpPr>
       <p:sp>
         <p:nvSpPr>
-          <p:cNvPr id="274492987" name="Slide Image Placeholder 1"/>
+          <p:cNvPr id="1064948065" name="Slide Image Placeholder 1"/>
           <p:cNvSpPr>
             <a:spLocks noChangeAspect="1" noGrp="1" noRot="1"/>
           </p:cNvSpPr>
@@ -1461,7 +1461,7 @@
       </p:sp>
       <p:sp>
         <p:nvSpPr>
-          <p:cNvPr id="1831467916" name="Notes Placeholder 2"/>
+          <p:cNvPr id="1656869803" name="Notes Placeholder 2"/>
           <p:cNvSpPr>
             <a:spLocks noGrp="1"/>
           </p:cNvSpPr>
@@ -1483,7 +1483,7 @@
       </p:sp>
       <p:sp>
         <p:nvSpPr>
-          <p:cNvPr id="982972323" name="Slide Number Placeholder 3"/>
+          <p:cNvPr id="2063175713" name="Slide Number Placeholder 3"/>
           <p:cNvSpPr>
             <a:spLocks noGrp="1"/>
           </p:cNvSpPr>
@@ -1531,7 +1531,7 @@
       </p:grpSpPr>
       <p:sp>
         <p:nvSpPr>
-          <p:cNvPr id="873829959" name="Slide Image Placeholder 1"/>
+          <p:cNvPr id="1805070549" name="Slide Image Placeholder 1"/>
           <p:cNvSpPr>
             <a:spLocks noChangeAspect="1" noGrp="1" noRot="1"/>
           </p:cNvSpPr>
@@ -1543,7 +1543,7 @@
       </p:sp>
       <p:sp>
         <p:nvSpPr>
-          <p:cNvPr id="1446680171" name="Notes Placeholder 2"/>
+          <p:cNvPr id="1054934228" name="Notes Placeholder 2"/>
           <p:cNvSpPr>
             <a:spLocks noGrp="1"/>
           </p:cNvSpPr>
@@ -1565,7 +1565,7 @@
       </p:sp>
       <p:sp>
         <p:nvSpPr>
-          <p:cNvPr id="368078665" name="Slide Number Placeholder 3"/>
+          <p:cNvPr id="1659934094" name="Slide Number Placeholder 3"/>
           <p:cNvSpPr>
             <a:spLocks noGrp="1"/>
           </p:cNvSpPr>
@@ -1613,7 +1613,7 @@
       </p:grpSpPr>
       <p:sp>
         <p:nvSpPr>
-          <p:cNvPr id="1206638350" name="Slide Image Placeholder 1"/>
+          <p:cNvPr id="3653493" name="Slide Image Placeholder 1"/>
           <p:cNvSpPr>
             <a:spLocks noChangeAspect="1" noGrp="1" noRot="1"/>
           </p:cNvSpPr>
@@ -1625,7 +1625,7 @@
       </p:sp>
       <p:sp>
         <p:nvSpPr>
-          <p:cNvPr id="293552501" name="Notes Placeholder 2"/>
+          <p:cNvPr id="94856698" name="Notes Placeholder 2"/>
           <p:cNvSpPr>
             <a:spLocks noGrp="1"/>
           </p:cNvSpPr>
@@ -1647,7 +1647,7 @@
       </p:sp>
       <p:sp>
         <p:nvSpPr>
-          <p:cNvPr id="155964045" name="Slide Number Placeholder 3"/>
+          <p:cNvPr id="1531545264" name="Slide Number Placeholder 3"/>
           <p:cNvSpPr>
             <a:spLocks noGrp="1"/>
           </p:cNvSpPr>
@@ -1695,7 +1695,7 @@
       </p:grpSpPr>
       <p:sp>
         <p:nvSpPr>
-          <p:cNvPr id="1337684613" name="Slide Image Placeholder 1"/>
+          <p:cNvPr id="1908560485" name="Slide Image Placeholder 1"/>
           <p:cNvSpPr>
             <a:spLocks noChangeAspect="1" noGrp="1" noRot="1"/>
           </p:cNvSpPr>
@@ -1707,7 +1707,7 @@
       </p:sp>
       <p:sp>
         <p:nvSpPr>
-          <p:cNvPr id="1254734438" name="Notes Placeholder 2"/>
+          <p:cNvPr id="721836567" name="Notes Placeholder 2"/>
           <p:cNvSpPr>
             <a:spLocks noGrp="1"/>
           </p:cNvSpPr>
@@ -1729,7 +1729,7 @@
       </p:sp>
       <p:sp>
         <p:nvSpPr>
-          <p:cNvPr id="372897711" name="Slide Number Placeholder 3"/>
+          <p:cNvPr id="1921089683" name="Slide Number Placeholder 3"/>
           <p:cNvSpPr>
             <a:spLocks noGrp="1"/>
           </p:cNvSpPr>
@@ -1777,7 +1777,7 @@
       </p:grpSpPr>
       <p:sp>
         <p:nvSpPr>
-          <p:cNvPr id="2086467362" name="Slide Image Placeholder 1"/>
+          <p:cNvPr id="276835027" name="Slide Image Placeholder 1"/>
           <p:cNvSpPr>
             <a:spLocks noChangeAspect="1" noGrp="1" noRot="1"/>
           </p:cNvSpPr>
@@ -1789,7 +1789,7 @@
       </p:sp>
       <p:sp>
         <p:nvSpPr>
-          <p:cNvPr id="1728505280" name="Notes Placeholder 2"/>
+          <p:cNvPr id="128815493" name="Notes Placeholder 2"/>
           <p:cNvSpPr>
             <a:spLocks noGrp="1"/>
           </p:cNvSpPr>
@@ -1811,7 +1811,7 @@
       </p:sp>
       <p:sp>
         <p:nvSpPr>
-          <p:cNvPr id="1386585441" name="Slide Number Placeholder 3"/>
+          <p:cNvPr id="2121204559" name="Slide Number Placeholder 3"/>
           <p:cNvSpPr>
             <a:spLocks noGrp="1"/>
           </p:cNvSpPr>
@@ -1859,7 +1859,7 @@
       </p:grpSpPr>
       <p:sp>
         <p:nvSpPr>
-          <p:cNvPr id="497924988" name="Title 1"/>
+          <p:cNvPr id="2024849583" name="Title 1"/>
           <p:cNvSpPr>
             <a:spLocks noGrp="1"/>
           </p:cNvSpPr>
@@ -1894,7 +1894,7 @@
       </p:sp>
       <p:sp>
         <p:nvSpPr>
-          <p:cNvPr id="471823083" name="Subtitle 2"/>
+          <p:cNvPr id="885493604" name="Subtitle 2"/>
           <p:cNvSpPr>
             <a:spLocks noGrp="1"/>
           </p:cNvSpPr>
@@ -1962,7 +1962,7 @@
       </p:sp>
       <p:sp>
         <p:nvSpPr>
-          <p:cNvPr id="69256283" name="Date Placeholder 3"/>
+          <p:cNvPr id="1898308022" name="Date Placeholder 3"/>
           <p:cNvSpPr>
             <a:spLocks noGrp="1"/>
           </p:cNvSpPr>
@@ -1988,7 +1988,7 @@
       </p:sp>
       <p:sp>
         <p:nvSpPr>
-          <p:cNvPr id="487016679" name="Footer Placeholder 4"/>
+          <p:cNvPr id="2058774678" name="Footer Placeholder 4"/>
           <p:cNvSpPr>
             <a:spLocks noGrp="1"/>
           </p:cNvSpPr>
@@ -2010,7 +2010,7 @@
       </p:sp>
       <p:sp>
         <p:nvSpPr>
-          <p:cNvPr id="1344177380" name="Slide Number Placeholder 5"/>
+          <p:cNvPr id="2064557331" name="Slide Number Placeholder 5"/>
           <p:cNvSpPr>
             <a:spLocks noGrp="1"/>
           </p:cNvSpPr>
@@ -2061,7 +2061,7 @@
       </p:grpSpPr>
       <p:sp>
         <p:nvSpPr>
-          <p:cNvPr id="91935224" name="Title 1"/>
+          <p:cNvPr id="63150784" name="Title 1"/>
           <p:cNvSpPr>
             <a:spLocks noGrp="1"/>
           </p:cNvSpPr>
@@ -2087,7 +2087,7 @@
       </p:sp>
       <p:sp>
         <p:nvSpPr>
-          <p:cNvPr id="867760500" name="Vertical Text Placeholder 2"/>
+          <p:cNvPr id="641004576" name="Vertical Text Placeholder 2"/>
           <p:cNvSpPr>
             <a:spLocks noGrp="1"/>
           </p:cNvSpPr>
@@ -2153,7 +2153,7 @@
       </p:sp>
       <p:sp>
         <p:nvSpPr>
-          <p:cNvPr id="180510311" name="Date Placeholder 3"/>
+          <p:cNvPr id="105343288" name="Date Placeholder 3"/>
           <p:cNvSpPr>
             <a:spLocks noGrp="1"/>
           </p:cNvSpPr>
@@ -2179,7 +2179,7 @@
       </p:sp>
       <p:sp>
         <p:nvSpPr>
-          <p:cNvPr id="2074122823" name="Footer Placeholder 4"/>
+          <p:cNvPr id="589581500" name="Footer Placeholder 4"/>
           <p:cNvSpPr>
             <a:spLocks noGrp="1"/>
           </p:cNvSpPr>
@@ -2201,7 +2201,7 @@
       </p:sp>
       <p:sp>
         <p:nvSpPr>
-          <p:cNvPr id="1503866048" name="Slide Number Placeholder 5"/>
+          <p:cNvPr id="147014269" name="Slide Number Placeholder 5"/>
           <p:cNvSpPr>
             <a:spLocks noGrp="1"/>
           </p:cNvSpPr>
@@ -2252,7 +2252,7 @@
       </p:grpSpPr>
       <p:sp>
         <p:nvSpPr>
-          <p:cNvPr id="805889918" name="Vertical Title 1"/>
+          <p:cNvPr id="35519479" name="Vertical Title 1"/>
           <p:cNvSpPr>
             <a:spLocks noGrp="1"/>
           </p:cNvSpPr>
@@ -2283,7 +2283,7 @@
       </p:sp>
       <p:sp>
         <p:nvSpPr>
-          <p:cNvPr id="1680852676" name="Vertical Text Placeholder 2"/>
+          <p:cNvPr id="1408594576" name="Vertical Text Placeholder 2"/>
           <p:cNvSpPr>
             <a:spLocks noGrp="1"/>
           </p:cNvSpPr>
@@ -2354,7 +2354,7 @@
       </p:sp>
       <p:sp>
         <p:nvSpPr>
-          <p:cNvPr id="169329077" name="Date Placeholder 3"/>
+          <p:cNvPr id="1404615221" name="Date Placeholder 3"/>
           <p:cNvSpPr>
             <a:spLocks noGrp="1"/>
           </p:cNvSpPr>
@@ -2380,7 +2380,7 @@
       </p:sp>
       <p:sp>
         <p:nvSpPr>
-          <p:cNvPr id="2015422430" name="Footer Placeholder 4"/>
+          <p:cNvPr id="1528954372" name="Footer Placeholder 4"/>
           <p:cNvSpPr>
             <a:spLocks noGrp="1"/>
           </p:cNvSpPr>
@@ -2402,7 +2402,7 @@
       </p:sp>
       <p:sp>
         <p:nvSpPr>
-          <p:cNvPr id="1687568740" name="Slide Number Placeholder 5"/>
+          <p:cNvPr id="1683522406" name="Slide Number Placeholder 5"/>
           <p:cNvSpPr>
             <a:spLocks noGrp="1"/>
           </p:cNvSpPr>
@@ -2453,7 +2453,7 @@
       </p:grpSpPr>
       <p:sp>
         <p:nvSpPr>
-          <p:cNvPr id="51358787" name="Title 1"/>
+          <p:cNvPr id="483457607" name="Title 1"/>
           <p:cNvSpPr>
             <a:spLocks noGrp="1"/>
           </p:cNvSpPr>
@@ -2479,7 +2479,7 @@
       </p:sp>
       <p:sp>
         <p:nvSpPr>
-          <p:cNvPr id="1347315610" name="Content Placeholder 2"/>
+          <p:cNvPr id="1871296413" name="Content Placeholder 2"/>
           <p:cNvSpPr>
             <a:spLocks noGrp="1"/>
           </p:cNvSpPr>
@@ -2545,7 +2545,7 @@
       </p:sp>
       <p:sp>
         <p:nvSpPr>
-          <p:cNvPr id="1967541074" name="Date Placeholder 3"/>
+          <p:cNvPr id="595979859" name="Date Placeholder 3"/>
           <p:cNvSpPr>
             <a:spLocks noGrp="1"/>
           </p:cNvSpPr>
@@ -2571,7 +2571,7 @@
       </p:sp>
       <p:sp>
         <p:nvSpPr>
-          <p:cNvPr id="1491463715" name="Footer Placeholder 4"/>
+          <p:cNvPr id="46860803" name="Footer Placeholder 4"/>
           <p:cNvSpPr>
             <a:spLocks noGrp="1"/>
           </p:cNvSpPr>
@@ -2593,7 +2593,7 @@
       </p:sp>
       <p:sp>
         <p:nvSpPr>
-          <p:cNvPr id="134056999" name="Slide Number Placeholder 5"/>
+          <p:cNvPr id="166875592" name="Slide Number Placeholder 5"/>
           <p:cNvSpPr>
             <a:spLocks noGrp="1"/>
           </p:cNvSpPr>
@@ -2644,7 +2644,7 @@
       </p:grpSpPr>
       <p:sp>
         <p:nvSpPr>
-          <p:cNvPr id="799287162" name="Title 1"/>
+          <p:cNvPr id="362294066" name="Title 1"/>
           <p:cNvSpPr>
             <a:spLocks noGrp="1"/>
           </p:cNvSpPr>
@@ -2679,7 +2679,7 @@
       </p:sp>
       <p:sp>
         <p:nvSpPr>
-          <p:cNvPr id="1316613234" name="Text Placeholder 2"/>
+          <p:cNvPr id="1432873863" name="Text Placeholder 2"/>
           <p:cNvSpPr>
             <a:spLocks noGrp="1"/>
           </p:cNvSpPr>
@@ -2801,7 +2801,7 @@
       </p:sp>
       <p:sp>
         <p:nvSpPr>
-          <p:cNvPr id="1443432084" name="Date Placeholder 3"/>
+          <p:cNvPr id="1647628939" name="Date Placeholder 3"/>
           <p:cNvSpPr>
             <a:spLocks noGrp="1"/>
           </p:cNvSpPr>
@@ -2827,7 +2827,7 @@
       </p:sp>
       <p:sp>
         <p:nvSpPr>
-          <p:cNvPr id="1490401434" name="Footer Placeholder 4"/>
+          <p:cNvPr id="1946061050" name="Footer Placeholder 4"/>
           <p:cNvSpPr>
             <a:spLocks noGrp="1"/>
           </p:cNvSpPr>
@@ -2849,7 +2849,7 @@
       </p:sp>
       <p:sp>
         <p:nvSpPr>
-          <p:cNvPr id="65194649" name="Slide Number Placeholder 5"/>
+          <p:cNvPr id="630565740" name="Slide Number Placeholder 5"/>
           <p:cNvSpPr>
             <a:spLocks noGrp="1"/>
           </p:cNvSpPr>
@@ -2900,7 +2900,7 @@
       </p:grpSpPr>
       <p:sp>
         <p:nvSpPr>
-          <p:cNvPr id="783710303" name="Title 1"/>
+          <p:cNvPr id="1962121678" name="Title 1"/>
           <p:cNvSpPr>
             <a:spLocks noGrp="1"/>
           </p:cNvSpPr>
@@ -2926,7 +2926,7 @@
       </p:sp>
       <p:sp>
         <p:nvSpPr>
-          <p:cNvPr id="729765154" name="Content Placeholder 2"/>
+          <p:cNvPr id="700961431" name="Content Placeholder 2"/>
           <p:cNvSpPr>
             <a:spLocks noGrp="1"/>
           </p:cNvSpPr>
@@ -2997,7 +2997,7 @@
       </p:sp>
       <p:sp>
         <p:nvSpPr>
-          <p:cNvPr id="2115408240" name="Content Placeholder 3"/>
+          <p:cNvPr id="382126287" name="Content Placeholder 3"/>
           <p:cNvSpPr>
             <a:spLocks noGrp="1"/>
           </p:cNvSpPr>
@@ -3068,7 +3068,7 @@
       </p:sp>
       <p:sp>
         <p:nvSpPr>
-          <p:cNvPr id="373718830" name="Date Placeholder 4"/>
+          <p:cNvPr id="1705635971" name="Date Placeholder 4"/>
           <p:cNvSpPr>
             <a:spLocks noGrp="1"/>
           </p:cNvSpPr>
@@ -3094,7 +3094,7 @@
       </p:sp>
       <p:sp>
         <p:nvSpPr>
-          <p:cNvPr id="1389905877" name="Footer Placeholder 5"/>
+          <p:cNvPr id="242920006" name="Footer Placeholder 5"/>
           <p:cNvSpPr>
             <a:spLocks noGrp="1"/>
           </p:cNvSpPr>
@@ -3116,7 +3116,7 @@
       </p:sp>
       <p:sp>
         <p:nvSpPr>
-          <p:cNvPr id="1782682768" name="Slide Number Placeholder 6"/>
+          <p:cNvPr id="208734476" name="Slide Number Placeholder 6"/>
           <p:cNvSpPr>
             <a:spLocks noGrp="1"/>
           </p:cNvSpPr>
@@ -3167,7 +3167,7 @@
       </p:grpSpPr>
       <p:sp>
         <p:nvSpPr>
-          <p:cNvPr id="298956778" name="Title 1"/>
+          <p:cNvPr id="1726972549" name="Title 1"/>
           <p:cNvSpPr>
             <a:spLocks noGrp="1"/>
           </p:cNvSpPr>
@@ -3198,7 +3198,7 @@
       </p:sp>
       <p:sp>
         <p:nvSpPr>
-          <p:cNvPr id="621991348" name="Text Placeholder 2"/>
+          <p:cNvPr id="1007315291" name="Text Placeholder 2"/>
           <p:cNvSpPr>
             <a:spLocks noGrp="1"/>
           </p:cNvSpPr>
@@ -3266,7 +3266,7 @@
       </p:sp>
       <p:sp>
         <p:nvSpPr>
-          <p:cNvPr id="1924834535" name="Content Placeholder 3"/>
+          <p:cNvPr id="2072254582" name="Content Placeholder 3"/>
           <p:cNvSpPr>
             <a:spLocks noGrp="1"/>
           </p:cNvSpPr>
@@ -3337,7 +3337,7 @@
       </p:sp>
       <p:sp>
         <p:nvSpPr>
-          <p:cNvPr id="573678821" name="Text Placeholder 4"/>
+          <p:cNvPr id="819337562" name="Text Placeholder 4"/>
           <p:cNvSpPr>
             <a:spLocks noGrp="1"/>
           </p:cNvSpPr>
@@ -3405,7 +3405,7 @@
       </p:sp>
       <p:sp>
         <p:nvSpPr>
-          <p:cNvPr id="368448651" name="Content Placeholder 5"/>
+          <p:cNvPr id="1819319846" name="Content Placeholder 5"/>
           <p:cNvSpPr>
             <a:spLocks noGrp="1"/>
           </p:cNvSpPr>
@@ -3476,7 +3476,7 @@
       </p:sp>
       <p:sp>
         <p:nvSpPr>
-          <p:cNvPr id="1154480487" name="Date Placeholder 6"/>
+          <p:cNvPr id="378191215" name="Date Placeholder 6"/>
           <p:cNvSpPr>
             <a:spLocks noGrp="1"/>
           </p:cNvSpPr>
@@ -3502,7 +3502,7 @@
       </p:sp>
       <p:sp>
         <p:nvSpPr>
-          <p:cNvPr id="2069049194" name="Footer Placeholder 7"/>
+          <p:cNvPr id="1870377297" name="Footer Placeholder 7"/>
           <p:cNvSpPr>
             <a:spLocks noGrp="1"/>
           </p:cNvSpPr>
@@ -3524,7 +3524,7 @@
       </p:sp>
       <p:sp>
         <p:nvSpPr>
-          <p:cNvPr id="1125716556" name="Slide Number Placeholder 8"/>
+          <p:cNvPr id="1887033996" name="Slide Number Placeholder 8"/>
           <p:cNvSpPr>
             <a:spLocks noGrp="1"/>
           </p:cNvSpPr>
@@ -3575,7 +3575,7 @@
       </p:grpSpPr>
       <p:sp>
         <p:nvSpPr>
-          <p:cNvPr id="1446869101" name="Title 1"/>
+          <p:cNvPr id="2094140077" name="Title 1"/>
           <p:cNvSpPr>
             <a:spLocks noGrp="1"/>
           </p:cNvSpPr>
@@ -3601,7 +3601,7 @@
       </p:sp>
       <p:sp>
         <p:nvSpPr>
-          <p:cNvPr id="1212310042" name="Date Placeholder 2"/>
+          <p:cNvPr id="686057978" name="Date Placeholder 2"/>
           <p:cNvSpPr>
             <a:spLocks noGrp="1"/>
           </p:cNvSpPr>
@@ -3627,7 +3627,7 @@
       </p:sp>
       <p:sp>
         <p:nvSpPr>
-          <p:cNvPr id="858595472" name="Footer Placeholder 3"/>
+          <p:cNvPr id="1590745943" name="Footer Placeholder 3"/>
           <p:cNvSpPr>
             <a:spLocks noGrp="1"/>
           </p:cNvSpPr>
@@ -3649,7 +3649,7 @@
       </p:sp>
       <p:sp>
         <p:nvSpPr>
-          <p:cNvPr id="1642190009" name="Slide Number Placeholder 4"/>
+          <p:cNvPr id="1562820036" name="Slide Number Placeholder 4"/>
           <p:cNvSpPr>
             <a:spLocks noGrp="1"/>
           </p:cNvSpPr>
@@ -3700,7 +3700,7 @@
       </p:grpSpPr>
       <p:sp>
         <p:nvSpPr>
-          <p:cNvPr id="1620991117" name="Date Placeholder 1"/>
+          <p:cNvPr id="1798093126" name="Date Placeholder 1"/>
           <p:cNvSpPr>
             <a:spLocks noGrp="1"/>
           </p:cNvSpPr>
@@ -3726,7 +3726,7 @@
       </p:sp>
       <p:sp>
         <p:nvSpPr>
-          <p:cNvPr id="1234774320" name="Footer Placeholder 2"/>
+          <p:cNvPr id="510016319" name="Footer Placeholder 2"/>
           <p:cNvSpPr>
             <a:spLocks noGrp="1"/>
           </p:cNvSpPr>
@@ -3748,7 +3748,7 @@
       </p:sp>
       <p:sp>
         <p:nvSpPr>
-          <p:cNvPr id="1577836674" name="Slide Number Placeholder 3"/>
+          <p:cNvPr id="2072916977" name="Slide Number Placeholder 3"/>
           <p:cNvSpPr>
             <a:spLocks noGrp="1"/>
           </p:cNvSpPr>
@@ -3799,7 +3799,7 @@
       </p:grpSpPr>
       <p:sp>
         <p:nvSpPr>
-          <p:cNvPr id="847234001" name="Title 1"/>
+          <p:cNvPr id="863823503" name="Title 1"/>
           <p:cNvSpPr>
             <a:spLocks noGrp="1"/>
           </p:cNvSpPr>
@@ -3834,7 +3834,7 @@
       </p:sp>
       <p:sp>
         <p:nvSpPr>
-          <p:cNvPr id="129059460" name="Content Placeholder 2"/>
+          <p:cNvPr id="1711697295" name="Content Placeholder 2"/>
           <p:cNvSpPr>
             <a:spLocks noGrp="1"/>
           </p:cNvSpPr>
@@ -3933,7 +3933,7 @@
       </p:sp>
       <p:sp>
         <p:nvSpPr>
-          <p:cNvPr id="1842663657" name="Text Placeholder 3"/>
+          <p:cNvPr id="949077303" name="Text Placeholder 3"/>
           <p:cNvSpPr>
             <a:spLocks noGrp="1"/>
           </p:cNvSpPr>
@@ -4001,7 +4001,7 @@
       </p:sp>
       <p:sp>
         <p:nvSpPr>
-          <p:cNvPr id="148797126" name="Date Placeholder 4"/>
+          <p:cNvPr id="1918388807" name="Date Placeholder 4"/>
           <p:cNvSpPr>
             <a:spLocks noGrp="1"/>
           </p:cNvSpPr>
@@ -4027,7 +4027,7 @@
       </p:sp>
       <p:sp>
         <p:nvSpPr>
-          <p:cNvPr id="1846687540" name="Footer Placeholder 5"/>
+          <p:cNvPr id="568301480" name="Footer Placeholder 5"/>
           <p:cNvSpPr>
             <a:spLocks noGrp="1"/>
           </p:cNvSpPr>
@@ -4049,7 +4049,7 @@
       </p:sp>
       <p:sp>
         <p:nvSpPr>
-          <p:cNvPr id="305668458" name="Slide Number Placeholder 6"/>
+          <p:cNvPr id="1288261953" name="Slide Number Placeholder 6"/>
           <p:cNvSpPr>
             <a:spLocks noGrp="1"/>
           </p:cNvSpPr>
@@ -4100,7 +4100,7 @@
       </p:grpSpPr>
       <p:sp>
         <p:nvSpPr>
-          <p:cNvPr id="331001921" name="Title 1"/>
+          <p:cNvPr id="1734380959" name="Title 1"/>
           <p:cNvSpPr>
             <a:spLocks noGrp="1"/>
           </p:cNvSpPr>
@@ -4135,7 +4135,7 @@
       </p:sp>
       <p:sp>
         <p:nvSpPr>
-          <p:cNvPr id="918094852" name="Picture Placeholder 2"/>
+          <p:cNvPr id="1064799636" name="Picture Placeholder 2"/>
           <p:cNvSpPr>
             <a:spLocks noGrp="1"/>
           </p:cNvSpPr>
@@ -4199,7 +4199,7 @@
       </p:sp>
       <p:sp>
         <p:nvSpPr>
-          <p:cNvPr id="18506770" name="Text Placeholder 3"/>
+          <p:cNvPr id="1982035856" name="Text Placeholder 3"/>
           <p:cNvSpPr>
             <a:spLocks noGrp="1"/>
           </p:cNvSpPr>
@@ -4267,7 +4267,7 @@
       </p:sp>
       <p:sp>
         <p:nvSpPr>
-          <p:cNvPr id="1030020794" name="Date Placeholder 4"/>
+          <p:cNvPr id="1902571303" name="Date Placeholder 4"/>
           <p:cNvSpPr>
             <a:spLocks noGrp="1"/>
           </p:cNvSpPr>
@@ -4293,7 +4293,7 @@
       </p:sp>
       <p:sp>
         <p:nvSpPr>
-          <p:cNvPr id="562489944" name="Footer Placeholder 5"/>
+          <p:cNvPr id="1106314802" name="Footer Placeholder 5"/>
           <p:cNvSpPr>
             <a:spLocks noGrp="1"/>
           </p:cNvSpPr>
@@ -4315,7 +4315,7 @@
       </p:sp>
       <p:sp>
         <p:nvSpPr>
-          <p:cNvPr id="1231665972" name="Slide Number Placeholder 6"/>
+          <p:cNvPr id="1478386692" name="Slide Number Placeholder 6"/>
           <p:cNvSpPr>
             <a:spLocks noGrp="1"/>
           </p:cNvSpPr>
@@ -4371,7 +4371,7 @@
       </p:grpSpPr>
       <p:sp>
         <p:nvSpPr>
-          <p:cNvPr id="478008550" name="Title Placeholder 1"/>
+          <p:cNvPr id="370626549" name="Title Placeholder 1"/>
           <p:cNvSpPr>
             <a:spLocks noGrp="1"/>
           </p:cNvSpPr>
@@ -4407,7 +4407,7 @@
       </p:sp>
       <p:sp>
         <p:nvSpPr>
-          <p:cNvPr id="161706059" name="Text Placeholder 2"/>
+          <p:cNvPr id="778241742" name="Text Placeholder 2"/>
           <p:cNvSpPr>
             <a:spLocks noGrp="1"/>
           </p:cNvSpPr>
@@ -4483,7 +4483,7 @@
       </p:sp>
       <p:sp>
         <p:nvSpPr>
-          <p:cNvPr id="1141073431" name="Date Placeholder 3"/>
+          <p:cNvPr id="88609350" name="Date Placeholder 3"/>
           <p:cNvSpPr>
             <a:spLocks noGrp="1"/>
           </p:cNvSpPr>
@@ -4527,7 +4527,7 @@
       </p:sp>
       <p:sp>
         <p:nvSpPr>
-          <p:cNvPr id="2010633008" name="Footer Placeholder 4"/>
+          <p:cNvPr id="1369914327" name="Footer Placeholder 4"/>
           <p:cNvSpPr>
             <a:spLocks noGrp="1"/>
           </p:cNvSpPr>
@@ -4567,7 +4567,7 @@
       </p:sp>
       <p:sp>
         <p:nvSpPr>
-          <p:cNvPr id="1505175155" name="Slide Number Placeholder 5"/>
+          <p:cNvPr id="375714128" name="Slide Number Placeholder 5"/>
           <p:cNvSpPr>
             <a:spLocks noGrp="1"/>
           </p:cNvSpPr>
@@ -4934,7 +4934,7 @@
       </p:grpSpPr>
       <p:sp>
         <p:nvSpPr>
-          <p:cNvPr id="2074754052" name="Title 1"/>
+          <p:cNvPr id="1308279371" name="Title 1"/>
           <p:cNvSpPr>
             <a:spLocks noGrp="1"/>
           </p:cNvSpPr>
@@ -4969,7 +4969,7 @@
       </p:sp>
       <p:sp>
         <p:nvSpPr>
-          <p:cNvPr id="1111612571" name="Subtitle 2"/>
+          <p:cNvPr id="909987183" name="Subtitle 2"/>
           <p:cNvSpPr>
             <a:spLocks noGrp="1"/>
           </p:cNvSpPr>
@@ -4979,13 +4979,13 @@
         </p:nvSpPr>
         <p:spPr bwMode="auto">
           <a:xfrm flipH="0" flipV="0">
-            <a:off x="1523999" y="3602037"/>
-            <a:ext cx="9144000" cy="1961629"/>
+            <a:off x="1523998" y="3602036"/>
+            <a:ext cx="9144000" cy="2344411"/>
           </a:xfrm>
         </p:spPr>
         <p:txBody>
           <a:bodyPr vertOverflow="overflow" horzOverflow="overflow" vert="horz" wrap="square" lIns="91440" tIns="45720" rIns="91440" bIns="45720" numCol="1" spcCol="0" rtlCol="0" fromWordArt="0" anchor="t" anchorCtr="0" forceAA="0" upright="0" compatLnSpc="0">
-            <a:normAutofit fontScale="85000" lnSpcReduction="3000"/>
+            <a:normAutofit/>
           </a:bodyPr>
           <a:lstStyle/>
           <a:p>
@@ -5055,30 +5055,6 @@
               <a:defRPr/>
             </a:pPr>
             <a:r>
-              <a:rPr lang="en-GB" sz="3200">
-                <a:solidFill>
-                  <a:schemeClr val="bg1"/>
-                </a:solidFill>
-              </a:rPr>
-              <a:t>Lab Session </a:t>
-            </a:r>
-            <a:r>
-              <a:rPr lang="en-US" sz="3200">
-                <a:solidFill>
-                  <a:schemeClr val="bg1"/>
-                </a:solidFill>
-              </a:rPr>
-              <a:t>2</a:t>
-            </a:r>
-            <a:r>
-              <a:rPr lang="en-GB" sz="3200">
-                <a:solidFill>
-                  <a:schemeClr val="bg1"/>
-                </a:solidFill>
-              </a:rPr>
-              <a:t> – </a:t>
-            </a:r>
-            <a:r>
               <a:rPr sz="2800" b="0" i="0" u="none">
                 <a:solidFill>
                   <a:schemeClr val="bg1"/>
@@ -5099,7 +5075,7 @@
       </p:sp>
       <p:pic>
         <p:nvPicPr>
-          <p:cNvPr id="2068770079" name="Picture 3"/>
+          <p:cNvPr id="1682057186" name="Picture 3"/>
           <p:cNvPicPr>
             <a:picLocks noChangeAspect="1"/>
           </p:cNvPicPr>
@@ -5161,7 +5137,7 @@
       </p:grpSpPr>
       <p:sp>
         <p:nvSpPr>
-          <p:cNvPr id="1503917191" name="Title 1"/>
+          <p:cNvPr id="1752583497" name="Title 1"/>
           <p:cNvSpPr>
             <a:spLocks noGrp="1"/>
           </p:cNvSpPr>
@@ -5171,7 +5147,7 @@
         </p:nvSpPr>
         <p:spPr bwMode="auto">
           <a:xfrm flipH="0" flipV="0">
-            <a:off x="10615" y="-154755"/>
+            <a:off x="366689" y="-314988"/>
             <a:ext cx="10515600" cy="1159789"/>
           </a:xfrm>
         </p:spPr>
@@ -5183,39 +5159,6 @@
               <a:defRPr/>
             </a:pPr>
             <a:r>
-              <a:rPr lang="en-GB" sz="3600" b="0" i="0" u="none" strike="noStrike" cap="none" spc="0">
-                <a:solidFill>
-                  <a:schemeClr val="bg1"/>
-                </a:solidFill>
-                <a:latin typeface="Aptos Display"/>
-                <a:ea typeface="Arial"/>
-                <a:cs typeface="Arial"/>
-              </a:rPr>
-              <a:t>Lab Session </a:t>
-            </a:r>
-            <a:r>
-              <a:rPr lang="en-US" sz="3600" b="0" i="0" u="none" strike="noStrike" cap="none" spc="0">
-                <a:solidFill>
-                  <a:schemeClr val="bg1"/>
-                </a:solidFill>
-                <a:latin typeface="Aptos Display"/>
-                <a:ea typeface="Arial"/>
-                <a:cs typeface="Arial"/>
-              </a:rPr>
-              <a:t>2</a:t>
-            </a:r>
-            <a:r>
-              <a:rPr lang="en-GB" sz="3600" b="0" i="0" u="none" strike="noStrike" cap="none" spc="0">
-                <a:solidFill>
-                  <a:schemeClr val="bg1"/>
-                </a:solidFill>
-                <a:latin typeface="Aptos Display"/>
-                <a:ea typeface="Arial"/>
-                <a:cs typeface="Arial"/>
-              </a:rPr>
-              <a:t> – </a:t>
-            </a:r>
-            <a:r>
               <a:rPr lang="en-US" sz="3600" b="0" i="0" u="none" strike="noStrike" cap="none" spc="0">
                 <a:solidFill>
                   <a:schemeClr val="bg1"/>
@@ -5232,7 +5175,7 @@
       </p:sp>
       <p:sp>
         <p:nvSpPr>
-          <p:cNvPr id="1240463332" name="Content Placeholder 2"/>
+          <p:cNvPr id="1016234420" name="Content Placeholder 2"/>
           <p:cNvSpPr>
             <a:spLocks noGrp="1"/>
           </p:cNvSpPr>
@@ -5276,7 +5219,7 @@
       </p:sp>
       <p:pic>
         <p:nvPicPr>
-          <p:cNvPr id="1764780102" name="Picture 3"/>
+          <p:cNvPr id="1544789033" name="Picture 3"/>
           <p:cNvPicPr>
             <a:picLocks noChangeAspect="1"/>
           </p:cNvPicPr>
@@ -5298,7 +5241,7 @@
       </p:pic>
       <p:pic>
         <p:nvPicPr>
-          <p:cNvPr id="833737225" name=""/>
+          <p:cNvPr id="950890321" name=""/>
           <p:cNvPicPr>
             <a:picLocks noChangeAspect="1"/>
           </p:cNvPicPr>
@@ -5310,8 +5253,8 @@
         </p:blipFill>
         <p:spPr bwMode="auto">
           <a:xfrm flipH="0" flipV="0">
-            <a:off x="5808688" y="583435"/>
-            <a:ext cx="4982704" cy="6240211"/>
+            <a:off x="6007465" y="552204"/>
+            <a:ext cx="4982703" cy="6052442"/>
           </a:xfrm>
           <a:prstGeom prst="rect">
             <a:avLst/>
@@ -5360,7 +5303,7 @@
       </p:grpSpPr>
       <p:sp>
         <p:nvSpPr>
-          <p:cNvPr id="95003933" name="Title 1"/>
+          <p:cNvPr id="328706219" name="Title 1"/>
           <p:cNvSpPr>
             <a:spLocks noGrp="1"/>
           </p:cNvSpPr>
@@ -5370,7 +5313,7 @@
         </p:nvSpPr>
         <p:spPr bwMode="auto">
           <a:xfrm flipH="0" flipV="0">
-            <a:off x="10615" y="-154755"/>
+            <a:off x="277670" y="-154755"/>
             <a:ext cx="10515600" cy="1159789"/>
           </a:xfrm>
         </p:spPr>
@@ -5382,39 +5325,6 @@
               <a:defRPr/>
             </a:pPr>
             <a:r>
-              <a:rPr lang="en-GB" sz="3600" b="0" i="0" u="none" strike="noStrike" cap="none" spc="0">
-                <a:solidFill>
-                  <a:schemeClr val="bg1"/>
-                </a:solidFill>
-                <a:latin typeface="Aptos Display"/>
-                <a:ea typeface="Arial"/>
-                <a:cs typeface="Arial"/>
-              </a:rPr>
-              <a:t>Lab Session </a:t>
-            </a:r>
-            <a:r>
-              <a:rPr lang="en-US" sz="3600" b="0" i="0" u="none" strike="noStrike" cap="none" spc="0">
-                <a:solidFill>
-                  <a:schemeClr val="bg1"/>
-                </a:solidFill>
-                <a:latin typeface="Aptos Display"/>
-                <a:ea typeface="Arial"/>
-                <a:cs typeface="Arial"/>
-              </a:rPr>
-              <a:t>2</a:t>
-            </a:r>
-            <a:r>
-              <a:rPr lang="en-GB" sz="3600" b="0" i="0" u="none" strike="noStrike" cap="none" spc="0">
-                <a:solidFill>
-                  <a:schemeClr val="bg1"/>
-                </a:solidFill>
-                <a:latin typeface="Aptos Display"/>
-                <a:ea typeface="Arial"/>
-                <a:cs typeface="Arial"/>
-              </a:rPr>
-              <a:t> – </a:t>
-            </a:r>
-            <a:r>
               <a:rPr lang="en-US" sz="3600" b="0" i="0" u="none" strike="noStrike" cap="none" spc="0">
                 <a:solidFill>
                   <a:schemeClr val="bg1"/>
@@ -5431,7 +5341,7 @@
       </p:sp>
       <p:sp>
         <p:nvSpPr>
-          <p:cNvPr id="1702123072" name="Content Placeholder 2"/>
+          <p:cNvPr id="1670564735" name="Content Placeholder 2"/>
           <p:cNvSpPr>
             <a:spLocks noGrp="1"/>
           </p:cNvSpPr>
@@ -5519,7 +5429,7 @@
       </p:sp>
       <p:pic>
         <p:nvPicPr>
-          <p:cNvPr id="1551654621" name="Picture 3"/>
+          <p:cNvPr id="1027565982" name="Picture 3"/>
           <p:cNvPicPr>
             <a:picLocks noChangeAspect="1"/>
           </p:cNvPicPr>
@@ -5541,7 +5451,7 @@
       </p:pic>
       <p:pic>
         <p:nvPicPr>
-          <p:cNvPr id="359638020" name=""/>
+          <p:cNvPr id="1275301945" name=""/>
           <p:cNvPicPr>
             <a:picLocks noChangeAspect="1"/>
           </p:cNvPicPr>
@@ -5563,7 +5473,7 @@
       </p:pic>
       <p:pic>
         <p:nvPicPr>
-          <p:cNvPr id="809475192" name=""/>
+          <p:cNvPr id="299212127" name=""/>
           <p:cNvPicPr>
             <a:picLocks noChangeAspect="1"/>
           </p:cNvPicPr>
@@ -5625,7 +5535,7 @@
       </p:grpSpPr>
       <p:sp>
         <p:nvSpPr>
-          <p:cNvPr id="1950068921" name="Title 1"/>
+          <p:cNvPr id="1650171714" name="Title 1"/>
           <p:cNvSpPr>
             <a:spLocks noGrp="1"/>
           </p:cNvSpPr>
@@ -5647,39 +5557,6 @@
               <a:defRPr/>
             </a:pPr>
             <a:r>
-              <a:rPr lang="en-GB" sz="4400" b="0" i="0" u="none" strike="noStrike" cap="none" spc="0">
-                <a:solidFill>
-                  <a:schemeClr val="bg1"/>
-                </a:solidFill>
-                <a:latin typeface="Aptos Display"/>
-                <a:ea typeface="Arial"/>
-                <a:cs typeface="Arial"/>
-              </a:rPr>
-              <a:t>Lab Session </a:t>
-            </a:r>
-            <a:r>
-              <a:rPr lang="en-US" sz="4400" b="0" i="0" u="none" strike="noStrike" cap="none" spc="0">
-                <a:solidFill>
-                  <a:schemeClr val="bg1"/>
-                </a:solidFill>
-                <a:latin typeface="Aptos Display"/>
-                <a:ea typeface="Arial"/>
-                <a:cs typeface="Arial"/>
-              </a:rPr>
-              <a:t>2</a:t>
-            </a:r>
-            <a:r>
-              <a:rPr lang="en-GB" sz="4400" b="0" i="0" u="none" strike="noStrike" cap="none" spc="0">
-                <a:solidFill>
-                  <a:schemeClr val="bg1"/>
-                </a:solidFill>
-                <a:latin typeface="Aptos Display"/>
-                <a:ea typeface="Arial"/>
-                <a:cs typeface="Arial"/>
-              </a:rPr>
-              <a:t> – </a:t>
-            </a:r>
-            <a:r>
               <a:rPr lang="en-US" sz="4400" b="0" i="0" u="none" strike="noStrike" cap="none" spc="0">
                 <a:solidFill>
                   <a:schemeClr val="bg1"/>
@@ -5696,7 +5573,7 @@
       </p:sp>
       <p:sp>
         <p:nvSpPr>
-          <p:cNvPr id="470123531" name="Content Placeholder 2"/>
+          <p:cNvPr id="861372514" name="Content Placeholder 2"/>
           <p:cNvSpPr>
             <a:spLocks noGrp="1"/>
           </p:cNvSpPr>
@@ -6107,7 +5984,7 @@
       </p:sp>
       <p:pic>
         <p:nvPicPr>
-          <p:cNvPr id="2080796595" name="Picture 3"/>
+          <p:cNvPr id="1864825567" name="Picture 3"/>
           <p:cNvPicPr>
             <a:picLocks noChangeAspect="1"/>
           </p:cNvPicPr>
@@ -6129,14 +6006,14 @@
       </p:pic>
       <p:sp>
         <p:nvSpPr>
-          <p:cNvPr id="1324122920" name=""/>
+          <p:cNvPr id="229848389" name=""/>
           <p:cNvSpPr txBox="1"/>
           <p:nvPr/>
         </p:nvSpPr>
         <p:spPr bwMode="auto">
           <a:xfrm flipH="0" flipV="0">
             <a:off x="6004378" y="3246120"/>
-            <a:ext cx="183240" cy="365757"/>
+            <a:ext cx="183240" cy="365756"/>
           </a:xfrm>
           <a:prstGeom prst="rect">
             <a:avLst/>
@@ -6197,7 +6074,7 @@
       </p:grpSpPr>
       <p:sp>
         <p:nvSpPr>
-          <p:cNvPr id="225425351" name="Title 1"/>
+          <p:cNvPr id="980664790" name="Title 1"/>
           <p:cNvSpPr>
             <a:spLocks noGrp="1"/>
           </p:cNvSpPr>
@@ -6219,39 +6096,6 @@
               <a:defRPr/>
             </a:pPr>
             <a:r>
-              <a:rPr lang="en-GB" sz="4400" b="0" i="0" u="none" strike="noStrike" cap="none" spc="0">
-                <a:solidFill>
-                  <a:schemeClr val="bg1"/>
-                </a:solidFill>
-                <a:latin typeface="Aptos Display"/>
-                <a:ea typeface="Arial"/>
-                <a:cs typeface="Arial"/>
-              </a:rPr>
-              <a:t>Lab Session </a:t>
-            </a:r>
-            <a:r>
-              <a:rPr lang="en-US" sz="4400" b="0" i="0" u="none" strike="noStrike" cap="none" spc="0">
-                <a:solidFill>
-                  <a:schemeClr val="bg1"/>
-                </a:solidFill>
-                <a:latin typeface="Aptos Display"/>
-                <a:ea typeface="Arial"/>
-                <a:cs typeface="Arial"/>
-              </a:rPr>
-              <a:t>2</a:t>
-            </a:r>
-            <a:r>
-              <a:rPr lang="en-GB" sz="4400" b="0" i="0" u="none" strike="noStrike" cap="none" spc="0">
-                <a:solidFill>
-                  <a:schemeClr val="bg1"/>
-                </a:solidFill>
-                <a:latin typeface="Aptos Display"/>
-                <a:ea typeface="Arial"/>
-                <a:cs typeface="Arial"/>
-              </a:rPr>
-              <a:t> – </a:t>
-            </a:r>
-            <a:r>
               <a:rPr lang="en-US" sz="4400" b="0" i="0" u="none" strike="noStrike" cap="none" spc="0">
                 <a:solidFill>
                   <a:schemeClr val="bg1"/>
@@ -6268,7 +6112,7 @@
       </p:sp>
       <p:sp>
         <p:nvSpPr>
-          <p:cNvPr id="472766540" name="Content Placeholder 2"/>
+          <p:cNvPr id="4135130" name="Content Placeholder 2"/>
           <p:cNvSpPr>
             <a:spLocks noGrp="1"/>
           </p:cNvSpPr>
@@ -6872,7 +6716,7 @@
       </p:sp>
       <p:pic>
         <p:nvPicPr>
-          <p:cNvPr id="412324069" name="Picture 3"/>
+          <p:cNvPr id="155096279" name="Picture 3"/>
           <p:cNvPicPr>
             <a:picLocks noChangeAspect="1"/>
           </p:cNvPicPr>
@@ -6894,14 +6738,14 @@
       </p:pic>
       <p:sp>
         <p:nvSpPr>
-          <p:cNvPr id="13979634" name=""/>
+          <p:cNvPr id="1556094436" name=""/>
           <p:cNvSpPr txBox="1"/>
           <p:nvPr/>
         </p:nvSpPr>
         <p:spPr bwMode="auto">
           <a:xfrm flipH="0" flipV="0">
             <a:off x="6004378" y="3246120"/>
-            <a:ext cx="183240" cy="365757"/>
+            <a:ext cx="183240" cy="365756"/>
           </a:xfrm>
           <a:prstGeom prst="rect">
             <a:avLst/>
@@ -6962,7 +6806,7 @@
       </p:grpSpPr>
       <p:sp>
         <p:nvSpPr>
-          <p:cNvPr id="2054633297" name="Title 1"/>
+          <p:cNvPr id="1874857582" name="Title 1"/>
           <p:cNvSpPr>
             <a:spLocks noGrp="1"/>
           </p:cNvSpPr>
@@ -7000,7 +6844,7 @@
       </p:sp>
       <p:sp>
         <p:nvSpPr>
-          <p:cNvPr id="1697724659" name="Content Placeholder 2"/>
+          <p:cNvPr id="727598228" name="Content Placeholder 2"/>
           <p:cNvSpPr>
             <a:spLocks noGrp="1"/>
           </p:cNvSpPr>
@@ -7121,7 +6965,7 @@
       </p:sp>
       <p:pic>
         <p:nvPicPr>
-          <p:cNvPr id="1576057617" name="Picture 3"/>
+          <p:cNvPr id="34508910" name="Picture 3"/>
           <p:cNvPicPr>
             <a:picLocks noChangeAspect="1"/>
           </p:cNvPicPr>
@@ -7183,7 +7027,7 @@
       </p:grpSpPr>
       <p:sp>
         <p:nvSpPr>
-          <p:cNvPr id="202986765" name="Title 1"/>
+          <p:cNvPr id="52614209" name="Title 1"/>
           <p:cNvSpPr>
             <a:spLocks noGrp="1"/>
           </p:cNvSpPr>
@@ -7221,7 +7065,7 @@
       </p:sp>
       <p:sp>
         <p:nvSpPr>
-          <p:cNvPr id="166364554" name="Content Placeholder 2"/>
+          <p:cNvPr id="250304203" name="Content Placeholder 2"/>
           <p:cNvSpPr>
             <a:spLocks noGrp="1"/>
           </p:cNvSpPr>
@@ -7514,7 +7358,7 @@
       </p:sp>
       <p:pic>
         <p:nvPicPr>
-          <p:cNvPr id="204570861" name="Picture 3"/>
+          <p:cNvPr id="8738882" name="Picture 3"/>
           <p:cNvPicPr>
             <a:picLocks noChangeAspect="1"/>
           </p:cNvPicPr>
@@ -7576,7 +7420,7 @@
       </p:grpSpPr>
       <p:sp>
         <p:nvSpPr>
-          <p:cNvPr id="357759987" name="Title 1"/>
+          <p:cNvPr id="1075620172" name="Title 1"/>
           <p:cNvSpPr>
             <a:spLocks noGrp="1"/>
           </p:cNvSpPr>
@@ -7611,7 +7455,7 @@
       </p:sp>
       <p:sp>
         <p:nvSpPr>
-          <p:cNvPr id="179538876" name="Content Placeholder 2"/>
+          <p:cNvPr id="1124436443" name="Content Placeholder 2"/>
           <p:cNvSpPr>
             <a:spLocks noGrp="1"/>
           </p:cNvSpPr>
@@ -7949,7 +7793,7 @@
       </p:sp>
       <p:pic>
         <p:nvPicPr>
-          <p:cNvPr id="491043410" name="Picture 3"/>
+          <p:cNvPr id="569050569" name="Picture 3"/>
           <p:cNvPicPr>
             <a:picLocks noChangeAspect="1"/>
           </p:cNvPicPr>
@@ -8011,7 +7855,7 @@
       </p:grpSpPr>
       <p:sp>
         <p:nvSpPr>
-          <p:cNvPr id="114532405" name="Title 1"/>
+          <p:cNvPr id="171676522" name="Title 1"/>
           <p:cNvSpPr>
             <a:spLocks noGrp="1"/>
           </p:cNvSpPr>
@@ -8084,7 +7928,7 @@
       </p:sp>
       <p:sp>
         <p:nvSpPr>
-          <p:cNvPr id="581675753" name="Content Placeholder 2"/>
+          <p:cNvPr id="159180774" name="Content Placeholder 2"/>
           <p:cNvSpPr>
             <a:spLocks noGrp="1"/>
           </p:cNvSpPr>
@@ -8118,7 +7962,7 @@
       </p:sp>
       <p:pic>
         <p:nvPicPr>
-          <p:cNvPr id="1721356456" name="Picture 3"/>
+          <p:cNvPr id="513976218" name="Picture 3"/>
           <p:cNvPicPr>
             <a:picLocks noChangeAspect="1"/>
           </p:cNvPicPr>
@@ -8180,7 +8024,7 @@
       </p:grpSpPr>
       <p:sp>
         <p:nvSpPr>
-          <p:cNvPr id="666932715" name="Title 1"/>
+          <p:cNvPr id="651774076" name="Title 1"/>
           <p:cNvSpPr>
             <a:spLocks noGrp="1"/>
           </p:cNvSpPr>
@@ -8190,7 +8034,7 @@
         </p:nvSpPr>
         <p:spPr bwMode="auto">
           <a:xfrm>
-            <a:off x="838198" y="240498"/>
+            <a:off x="517216" y="156101"/>
             <a:ext cx="10515600" cy="1325562"/>
           </a:xfrm>
         </p:spPr>
@@ -8202,30 +8046,6 @@
               <a:defRPr/>
             </a:pPr>
             <a:r>
-              <a:rPr lang="en-GB">
-                <a:solidFill>
-                  <a:schemeClr val="bg1"/>
-                </a:solidFill>
-              </a:rPr>
-              <a:t>Lab Session </a:t>
-            </a:r>
-            <a:r>
-              <a:rPr lang="en-US">
-                <a:solidFill>
-                  <a:schemeClr val="bg1"/>
-                </a:solidFill>
-              </a:rPr>
-              <a:t>2</a:t>
-            </a:r>
-            <a:r>
-              <a:rPr lang="en-GB">
-                <a:solidFill>
-                  <a:schemeClr val="bg1"/>
-                </a:solidFill>
-              </a:rPr>
-              <a:t> – </a:t>
-            </a:r>
-            <a:r>
               <a:rPr lang="en-US" sz="4400" b="0" i="0" u="none" strike="noStrike" cap="none" spc="0">
                 <a:solidFill>
                   <a:schemeClr val="bg1"/>
@@ -8242,7 +8062,7 @@
       </p:sp>
       <p:sp>
         <p:nvSpPr>
-          <p:cNvPr id="1161477149" name="Content Placeholder 2"/>
+          <p:cNvPr id="1474287151" name="Content Placeholder 2"/>
           <p:cNvSpPr>
             <a:spLocks noGrp="1"/>
           </p:cNvSpPr>
@@ -8528,7 +8348,7 @@
       </p:sp>
       <p:pic>
         <p:nvPicPr>
-          <p:cNvPr id="1752559870" name="Picture 3"/>
+          <p:cNvPr id="970384207" name="Picture 3"/>
           <p:cNvPicPr>
             <a:picLocks noChangeAspect="1"/>
           </p:cNvPicPr>
@@ -8590,7 +8410,7 @@
       </p:grpSpPr>
       <p:sp>
         <p:nvSpPr>
-          <p:cNvPr id="1372137907" name="Title 1"/>
+          <p:cNvPr id="1216363255" name="Title 1"/>
           <p:cNvSpPr>
             <a:spLocks noGrp="1"/>
           </p:cNvSpPr>
@@ -8614,39 +8434,6 @@
               <a:defRPr/>
             </a:pPr>
             <a:r>
-              <a:rPr lang="en-GB" sz="4400" b="0" i="0" u="none" strike="noStrike" cap="none" spc="0">
-                <a:solidFill>
-                  <a:schemeClr val="bg1"/>
-                </a:solidFill>
-                <a:latin typeface="Aptos Display"/>
-                <a:ea typeface="Arial"/>
-                <a:cs typeface="Arial"/>
-              </a:rPr>
-              <a:t>Lab Session </a:t>
-            </a:r>
-            <a:r>
-              <a:rPr lang="en-US" sz="4400" b="0" i="0" u="none" strike="noStrike" cap="none" spc="0">
-                <a:solidFill>
-                  <a:schemeClr val="bg1"/>
-                </a:solidFill>
-                <a:latin typeface="Aptos Display"/>
-                <a:ea typeface="Arial"/>
-                <a:cs typeface="Arial"/>
-              </a:rPr>
-              <a:t>2</a:t>
-            </a:r>
-            <a:r>
-              <a:rPr lang="en-GB" sz="4400" b="0" i="0" u="none" strike="noStrike" cap="none" spc="0">
-                <a:solidFill>
-                  <a:schemeClr val="bg1"/>
-                </a:solidFill>
-                <a:latin typeface="Aptos Display"/>
-                <a:ea typeface="Arial"/>
-                <a:cs typeface="Arial"/>
-              </a:rPr>
-              <a:t> – </a:t>
-            </a:r>
-            <a:r>
               <a:rPr lang="en-US" sz="4400" b="0" i="0" u="none" strike="noStrike" cap="none" spc="0">
                 <a:solidFill>
                   <a:schemeClr val="bg1"/>
@@ -8663,7 +8450,7 @@
       </p:sp>
       <p:sp>
         <p:nvSpPr>
-          <p:cNvPr id="1501105517" name="Content Placeholder 2"/>
+          <p:cNvPr id="2100262411" name="Content Placeholder 2"/>
           <p:cNvSpPr>
             <a:spLocks noGrp="1"/>
           </p:cNvSpPr>
@@ -8710,7 +8497,7 @@
       </p:sp>
       <p:pic>
         <p:nvPicPr>
-          <p:cNvPr id="20121869" name="Picture 3"/>
+          <p:cNvPr id="778054188" name="Picture 3"/>
           <p:cNvPicPr>
             <a:picLocks noChangeAspect="1"/>
           </p:cNvPicPr>
@@ -8732,7 +8519,7 @@
       </p:pic>
       <p:pic>
         <p:nvPicPr>
-          <p:cNvPr id="1807250535" name=""/>
+          <p:cNvPr id="671202664" name=""/>
           <p:cNvPicPr>
             <a:picLocks noChangeAspect="1"/>
           </p:cNvPicPr>
@@ -8754,7 +8541,7 @@
       </p:pic>
       <p:sp>
         <p:nvSpPr>
-          <p:cNvPr id="1802544408" name=""/>
+          <p:cNvPr id="1659582034" name=""/>
           <p:cNvSpPr/>
           <p:nvPr/>
         </p:nvSpPr>
@@ -8789,7 +8576,7 @@
       </p:sp>
       <p:pic>
         <p:nvPicPr>
-          <p:cNvPr id="912358488" name=""/>
+          <p:cNvPr id="471608877" name=""/>
           <p:cNvPicPr>
             <a:picLocks noChangeAspect="1"/>
           </p:cNvPicPr>
@@ -8851,7 +8638,7 @@
       </p:grpSpPr>
       <p:sp>
         <p:nvSpPr>
-          <p:cNvPr id="476081702" name="Title 1"/>
+          <p:cNvPr id="2144389233" name="Title 1"/>
           <p:cNvSpPr>
             <a:spLocks noGrp="1"/>
           </p:cNvSpPr>
@@ -8861,7 +8648,7 @@
         </p:nvSpPr>
         <p:spPr bwMode="auto">
           <a:xfrm>
-            <a:off x="105322" y="42546"/>
+            <a:off x="327905" y="42545"/>
             <a:ext cx="10515600" cy="1325559"/>
           </a:xfrm>
         </p:spPr>
@@ -8873,39 +8660,6 @@
               <a:defRPr/>
             </a:pPr>
             <a:r>
-              <a:rPr lang="en-GB" sz="4400" b="0" i="0" u="none" strike="noStrike" cap="none" spc="0">
-                <a:solidFill>
-                  <a:schemeClr val="bg1"/>
-                </a:solidFill>
-                <a:latin typeface="Aptos Display"/>
-                <a:ea typeface="Arial"/>
-                <a:cs typeface="Arial"/>
-              </a:rPr>
-              <a:t>Lab Session </a:t>
-            </a:r>
-            <a:r>
-              <a:rPr lang="en-US" sz="4400" b="0" i="0" u="none" strike="noStrike" cap="none" spc="0">
-                <a:solidFill>
-                  <a:schemeClr val="bg1"/>
-                </a:solidFill>
-                <a:latin typeface="Aptos Display"/>
-                <a:ea typeface="Arial"/>
-                <a:cs typeface="Arial"/>
-              </a:rPr>
-              <a:t>2</a:t>
-            </a:r>
-            <a:r>
-              <a:rPr lang="en-GB" sz="4400" b="0" i="0" u="none" strike="noStrike" cap="none" spc="0">
-                <a:solidFill>
-                  <a:schemeClr val="bg1"/>
-                </a:solidFill>
-                <a:latin typeface="Aptos Display"/>
-                <a:ea typeface="Arial"/>
-                <a:cs typeface="Arial"/>
-              </a:rPr>
-              <a:t> – </a:t>
-            </a:r>
-            <a:r>
               <a:rPr lang="en-US" sz="4400" b="0" i="0" u="none" strike="noStrike" cap="none" spc="0">
                 <a:solidFill>
                   <a:schemeClr val="bg1"/>
@@ -8922,7 +8676,7 @@
       </p:sp>
       <p:sp>
         <p:nvSpPr>
-          <p:cNvPr id="1065306629" name="Content Placeholder 2"/>
+          <p:cNvPr id="1175575791" name="Content Placeholder 2"/>
           <p:cNvSpPr>
             <a:spLocks noGrp="1"/>
           </p:cNvSpPr>
@@ -9197,7 +8951,7 @@
       </p:sp>
       <p:pic>
         <p:nvPicPr>
-          <p:cNvPr id="935543978" name="Picture 3"/>
+          <p:cNvPr id="311080618" name="Picture 3"/>
           <p:cNvPicPr>
             <a:picLocks noChangeAspect="1"/>
           </p:cNvPicPr>
@@ -9219,7 +8973,7 @@
       </p:pic>
       <p:pic>
         <p:nvPicPr>
-          <p:cNvPr id="2118742632" name=""/>
+          <p:cNvPr id="1620605801" name=""/>
           <p:cNvPicPr>
             <a:picLocks noChangeAspect="1"/>
           </p:cNvPicPr>
@@ -9241,7 +8995,7 @@
       </p:pic>
       <p:sp>
         <p:nvSpPr>
-          <p:cNvPr id="2094596818" name=""/>
+          <p:cNvPr id="291557125" name=""/>
           <p:cNvSpPr/>
           <p:nvPr/>
         </p:nvSpPr>
@@ -9331,7 +9085,7 @@
       </p:grpSpPr>
       <p:sp>
         <p:nvSpPr>
-          <p:cNvPr id="549744462" name="Title 1"/>
+          <p:cNvPr id="211366218" name="Title 1"/>
           <p:cNvSpPr>
             <a:spLocks noGrp="1"/>
           </p:cNvSpPr>
@@ -9341,7 +9095,7 @@
         </p:nvSpPr>
         <p:spPr bwMode="auto">
           <a:xfrm>
-            <a:off x="263807" y="-88641"/>
+            <a:off x="474570" y="-88641"/>
             <a:ext cx="10515600" cy="1325560"/>
           </a:xfrm>
         </p:spPr>
@@ -9353,15 +9107,15 @@
               <a:defRPr/>
             </a:pPr>
             <a:r>
-              <a:rPr lang="en-GB" sz="4400" b="0" i="0" u="none" strike="noStrike" cap="none" spc="0">
-                <a:solidFill>
-                  <a:schemeClr val="bg1"/>
-                </a:solidFill>
-                <a:latin typeface="Aptos Display"/>
-                <a:ea typeface="Arial"/>
-                <a:cs typeface="Arial"/>
-              </a:rPr>
-              <a:t>Lab Session 1 – Car Basic Movements</a:t>
+              <a:rPr lang="en-US" sz="4400" b="0" i="0" u="none" strike="noStrike" cap="none" spc="0">
+                <a:solidFill>
+                  <a:schemeClr val="bg1"/>
+                </a:solidFill>
+                <a:latin typeface="Aptos"/>
+                <a:ea typeface="Aptos"/>
+                <a:cs typeface="Aptos"/>
+              </a:rPr>
+              <a:t>Ultrasonic Obstacle Avoidance</a:t>
             </a:r>
             <a:endParaRPr/>
           </a:p>
@@ -9369,7 +9123,7 @@
       </p:sp>
       <p:sp>
         <p:nvSpPr>
-          <p:cNvPr id="100763615" name="Content Placeholder 2"/>
+          <p:cNvPr id="970993217" name="Content Placeholder 2"/>
           <p:cNvSpPr>
             <a:spLocks noGrp="1"/>
           </p:cNvSpPr>
@@ -9434,7 +9188,7 @@
       </p:sp>
       <p:pic>
         <p:nvPicPr>
-          <p:cNvPr id="203523638" name="Picture 3"/>
+          <p:cNvPr id="954903237" name="Picture 3"/>
           <p:cNvPicPr>
             <a:picLocks noChangeAspect="1"/>
           </p:cNvPicPr>
@@ -9456,7 +9210,7 @@
       </p:pic>
       <p:sp>
         <p:nvSpPr>
-          <p:cNvPr id="103336130" name=""/>
+          <p:cNvPr id="2073329611" name=""/>
           <p:cNvSpPr/>
           <p:nvPr/>
         </p:nvSpPr>
@@ -9505,7 +9259,7 @@
       </p:sp>
       <p:sp>
         <p:nvSpPr>
-          <p:cNvPr id="1299017473" name=""/>
+          <p:cNvPr id="8070700" name=""/>
           <p:cNvSpPr txBox="1"/>
           <p:nvPr/>
         </p:nvSpPr>
@@ -9533,7 +9287,7 @@
       </p:sp>
       <p:sp>
         <p:nvSpPr>
-          <p:cNvPr id="321656379" name=""/>
+          <p:cNvPr id="512583787" name=""/>
           <p:cNvSpPr/>
           <p:nvPr/>
         </p:nvSpPr>
@@ -9580,7 +9334,7 @@
       </p:sp>
       <p:sp>
         <p:nvSpPr>
-          <p:cNvPr id="466958564" name=""/>
+          <p:cNvPr id="1988388558" name=""/>
           <p:cNvSpPr txBox="1"/>
           <p:nvPr/>
         </p:nvSpPr>
@@ -9789,7 +9543,7 @@
       </p:sp>
       <p:graphicFrame>
         <p:nvGraphicFramePr>
-          <p:cNvPr id="977988598" name=""/>
+          <p:cNvPr id="102365343" name=""/>
           <p:cNvGraphicFramePr>
             <a:graphicFrameLocks xmlns:a="http://schemas.openxmlformats.org/drawingml/2006/main"/>
           </p:cNvGraphicFramePr>
@@ -10436,7 +10190,7 @@
       </p:graphicFrame>
       <p:graphicFrame>
         <p:nvGraphicFramePr>
-          <p:cNvPr id="711774175" name=""/>
+          <p:cNvPr id="1681829340" name=""/>
           <p:cNvGraphicFramePr>
             <a:graphicFrameLocks xmlns:a="http://schemas.openxmlformats.org/drawingml/2006/main"/>
           </p:cNvGraphicFramePr>
@@ -10854,7 +10608,7 @@
       </p:graphicFrame>
       <p:graphicFrame>
         <p:nvGraphicFramePr>
-          <p:cNvPr id="2014664402" name=""/>
+          <p:cNvPr id="1398299378" name=""/>
           <p:cNvGraphicFramePr>
             <a:graphicFrameLocks xmlns:a="http://schemas.openxmlformats.org/drawingml/2006/main"/>
           </p:cNvGraphicFramePr>
@@ -11411,7 +11165,7 @@
       </p:grpSpPr>
       <p:sp>
         <p:nvSpPr>
-          <p:cNvPr id="681140274" name="Title 1"/>
+          <p:cNvPr id="260030676" name="Title 1"/>
           <p:cNvSpPr>
             <a:spLocks noGrp="1"/>
           </p:cNvSpPr>
@@ -11421,7 +11175,7 @@
         </p:nvSpPr>
         <p:spPr bwMode="auto">
           <a:xfrm>
-            <a:off x="704669" y="42549"/>
+            <a:off x="838197" y="42548"/>
             <a:ext cx="10515600" cy="1325562"/>
           </a:xfrm>
         </p:spPr>
@@ -11433,39 +11187,6 @@
               <a:defRPr/>
             </a:pPr>
             <a:r>
-              <a:rPr lang="en-GB" sz="4400" b="0" i="0" u="none" strike="noStrike" cap="none" spc="0">
-                <a:solidFill>
-                  <a:schemeClr val="bg1"/>
-                </a:solidFill>
-                <a:latin typeface="+mj-lt"/>
-                <a:ea typeface="+mj-ea"/>
-                <a:cs typeface="+mj-cs"/>
-              </a:rPr>
-              <a:t>Lab Session </a:t>
-            </a:r>
-            <a:r>
-              <a:rPr lang="en-US" sz="4400" b="0" i="0" u="none" strike="noStrike" cap="none" spc="0">
-                <a:solidFill>
-                  <a:schemeClr val="bg1"/>
-                </a:solidFill>
-                <a:latin typeface="+mj-lt"/>
-                <a:ea typeface="+mj-ea"/>
-                <a:cs typeface="+mj-cs"/>
-              </a:rPr>
-              <a:t>2</a:t>
-            </a:r>
-            <a:r>
-              <a:rPr lang="en-GB" sz="4400" b="0" i="0" u="none" strike="noStrike" cap="none" spc="0">
-                <a:solidFill>
-                  <a:schemeClr val="bg1"/>
-                </a:solidFill>
-                <a:latin typeface="+mj-lt"/>
-                <a:ea typeface="+mj-ea"/>
-                <a:cs typeface="+mj-cs"/>
-              </a:rPr>
-              <a:t> – </a:t>
-            </a:r>
-            <a:r>
               <a:rPr lang="en-US" sz="4400" b="0" i="0" u="none" strike="noStrike" cap="none" spc="0">
                 <a:solidFill>
                   <a:schemeClr val="bg1"/>
@@ -11482,7 +11203,7 @@
       </p:sp>
       <p:sp>
         <p:nvSpPr>
-          <p:cNvPr id="1298367204" name="Content Placeholder 2"/>
+          <p:cNvPr id="1459554247" name="Content Placeholder 2"/>
           <p:cNvSpPr>
             <a:spLocks noGrp="1"/>
           </p:cNvSpPr>
@@ -11869,7 +11590,7 @@
       </p:sp>
       <p:pic>
         <p:nvPicPr>
-          <p:cNvPr id="747096818" name="Picture 3"/>
+          <p:cNvPr id="235537613" name="Picture 3"/>
           <p:cNvPicPr>
             <a:picLocks noChangeAspect="1"/>
           </p:cNvPicPr>
@@ -11931,7 +11652,7 @@
       </p:grpSpPr>
       <p:sp>
         <p:nvSpPr>
-          <p:cNvPr id="858718169" name="Title 1"/>
+          <p:cNvPr id="641850666" name="Title 1"/>
           <p:cNvSpPr>
             <a:spLocks noGrp="1"/>
           </p:cNvSpPr>
@@ -11953,39 +11674,6 @@
               <a:defRPr/>
             </a:pPr>
             <a:r>
-              <a:rPr lang="en-GB" sz="3600" b="0" i="0" u="none" strike="noStrike" cap="none" spc="0">
-                <a:solidFill>
-                  <a:schemeClr val="bg1"/>
-                </a:solidFill>
-                <a:latin typeface="+mj-lt"/>
-                <a:ea typeface="+mj-ea"/>
-                <a:cs typeface="+mj-cs"/>
-              </a:rPr>
-              <a:t>Lab Session </a:t>
-            </a:r>
-            <a:r>
-              <a:rPr lang="en-US" sz="3600" b="0" i="0" u="none" strike="noStrike" cap="none" spc="0">
-                <a:solidFill>
-                  <a:schemeClr val="bg1"/>
-                </a:solidFill>
-                <a:latin typeface="+mj-lt"/>
-                <a:ea typeface="+mj-ea"/>
-                <a:cs typeface="+mj-cs"/>
-              </a:rPr>
-              <a:t>2</a:t>
-            </a:r>
-            <a:r>
-              <a:rPr lang="en-GB" sz="3600" b="0" i="0" u="none" strike="noStrike" cap="none" spc="0">
-                <a:solidFill>
-                  <a:schemeClr val="bg1"/>
-                </a:solidFill>
-                <a:latin typeface="+mj-lt"/>
-                <a:ea typeface="+mj-ea"/>
-                <a:cs typeface="+mj-cs"/>
-              </a:rPr>
-              <a:t> – </a:t>
-            </a:r>
-            <a:r>
               <a:rPr lang="en-US" sz="3600" b="0" i="0" u="none" strike="noStrike" cap="none" spc="0">
                 <a:solidFill>
                   <a:schemeClr val="bg1"/>
@@ -12002,7 +11690,7 @@
       </p:sp>
       <p:sp>
         <p:nvSpPr>
-          <p:cNvPr id="604437568" name="Content Placeholder 2"/>
+          <p:cNvPr id="1197618155" name="Content Placeholder 2"/>
           <p:cNvSpPr>
             <a:spLocks noGrp="1"/>
           </p:cNvSpPr>
@@ -12288,7 +11976,7 @@
       </p:sp>
       <p:pic>
         <p:nvPicPr>
-          <p:cNvPr id="1033756585" name="Picture 3"/>
+          <p:cNvPr id="2120107035" name="Picture 3"/>
           <p:cNvPicPr>
             <a:picLocks noChangeAspect="1"/>
           </p:cNvPicPr>
@@ -12350,7 +12038,7 @@
       </p:grpSpPr>
       <p:sp>
         <p:nvSpPr>
-          <p:cNvPr id="226844165" name="Title 1"/>
+          <p:cNvPr id="363186028" name="Title 1"/>
           <p:cNvSpPr>
             <a:spLocks noGrp="1"/>
           </p:cNvSpPr>
@@ -12372,39 +12060,6 @@
               <a:defRPr/>
             </a:pPr>
             <a:r>
-              <a:rPr lang="en-GB" sz="3600" b="0" i="0" u="none" strike="noStrike" cap="none" spc="0">
-                <a:solidFill>
-                  <a:schemeClr val="bg1"/>
-                </a:solidFill>
-                <a:latin typeface="Aptos Display"/>
-                <a:ea typeface="Arial"/>
-                <a:cs typeface="Arial"/>
-              </a:rPr>
-              <a:t>Lab Session </a:t>
-            </a:r>
-            <a:r>
-              <a:rPr lang="en-US" sz="3600" b="0" i="0" u="none" strike="noStrike" cap="none" spc="0">
-                <a:solidFill>
-                  <a:schemeClr val="bg1"/>
-                </a:solidFill>
-                <a:latin typeface="Aptos Display"/>
-                <a:ea typeface="Arial"/>
-                <a:cs typeface="Arial"/>
-              </a:rPr>
-              <a:t>2</a:t>
-            </a:r>
-            <a:r>
-              <a:rPr lang="en-GB" sz="3600" b="0" i="0" u="none" strike="noStrike" cap="none" spc="0">
-                <a:solidFill>
-                  <a:schemeClr val="bg1"/>
-                </a:solidFill>
-                <a:latin typeface="Aptos Display"/>
-                <a:ea typeface="Arial"/>
-                <a:cs typeface="Arial"/>
-              </a:rPr>
-              <a:t> – </a:t>
-            </a:r>
-            <a:r>
               <a:rPr lang="en-US" sz="3600" b="0" i="0" u="none" strike="noStrike" cap="none" spc="0">
                 <a:solidFill>
                   <a:schemeClr val="bg1"/>
@@ -12421,7 +12076,7 @@
       </p:sp>
       <p:sp>
         <p:nvSpPr>
-          <p:cNvPr id="216845161" name="Content Placeholder 2"/>
+          <p:cNvPr id="2010380137" name="Content Placeholder 2"/>
           <p:cNvSpPr>
             <a:spLocks noGrp="1"/>
           </p:cNvSpPr>
@@ -12431,7 +12086,7 @@
         </p:nvSpPr>
         <p:spPr bwMode="auto">
           <a:xfrm flipH="0" flipV="0">
-            <a:off x="314915" y="895730"/>
+            <a:off x="314914" y="895730"/>
             <a:ext cx="10515600" cy="5849843"/>
           </a:xfrm>
         </p:spPr>
@@ -12465,7 +12120,7 @@
       </p:sp>
       <p:pic>
         <p:nvPicPr>
-          <p:cNvPr id="1191400815" name="Picture 3"/>
+          <p:cNvPr id="783865765" name="Picture 3"/>
           <p:cNvPicPr>
             <a:picLocks noChangeAspect="1"/>
           </p:cNvPicPr>
@@ -12487,7 +12142,7 @@
       </p:pic>
       <p:graphicFrame>
         <p:nvGraphicFramePr>
-          <p:cNvPr id="1138587805" name=""/>
+          <p:cNvPr id="1666809819" name=""/>
           <p:cNvGraphicFramePr>
             <a:graphicFrameLocks xmlns:a="http://schemas.openxmlformats.org/drawingml/2006/main"/>
           </p:cNvGraphicFramePr>
@@ -13812,7 +13467,7 @@
       </p:graphicFrame>
       <p:graphicFrame>
         <p:nvGraphicFramePr>
-          <p:cNvPr id="449565928" name=""/>
+          <p:cNvPr id="842642341" name=""/>
           <p:cNvGraphicFramePr>
             <a:graphicFrameLocks xmlns:a="http://schemas.openxmlformats.org/drawingml/2006/main"/>
           </p:cNvGraphicFramePr>
@@ -14231,7 +13886,7 @@
       </p:graphicFrame>
       <p:sp>
         <p:nvSpPr>
-          <p:cNvPr id="3972274" name=""/>
+          <p:cNvPr id="714420619" name=""/>
           <p:cNvSpPr/>
           <p:nvPr/>
         </p:nvSpPr>
@@ -14311,7 +13966,7 @@
       </p:grpSpPr>
       <p:sp>
         <p:nvSpPr>
-          <p:cNvPr id="1615457613" name="Title 1"/>
+          <p:cNvPr id="539558070" name="Title 1"/>
           <p:cNvSpPr>
             <a:spLocks noGrp="1"/>
           </p:cNvSpPr>
@@ -14321,7 +13976,7 @@
         </p:nvSpPr>
         <p:spPr bwMode="auto">
           <a:xfrm flipH="0" flipV="0">
-            <a:off x="151148" y="42546"/>
+            <a:off x="551732" y="42545"/>
             <a:ext cx="10515600" cy="1159789"/>
           </a:xfrm>
         </p:spPr>
@@ -14333,39 +13988,6 @@
               <a:defRPr/>
             </a:pPr>
             <a:r>
-              <a:rPr lang="en-GB" sz="3600" b="0" i="0" u="none" strike="noStrike" cap="none" spc="0">
-                <a:solidFill>
-                  <a:schemeClr val="bg1"/>
-                </a:solidFill>
-                <a:latin typeface="Aptos Display"/>
-                <a:ea typeface="Arial"/>
-                <a:cs typeface="Arial"/>
-              </a:rPr>
-              <a:t>Lab Session </a:t>
-            </a:r>
-            <a:r>
-              <a:rPr lang="en-US" sz="3600" b="0" i="0" u="none" strike="noStrike" cap="none" spc="0">
-                <a:solidFill>
-                  <a:schemeClr val="bg1"/>
-                </a:solidFill>
-                <a:latin typeface="Aptos Display"/>
-                <a:ea typeface="Arial"/>
-                <a:cs typeface="Arial"/>
-              </a:rPr>
-              <a:t>2</a:t>
-            </a:r>
-            <a:r>
-              <a:rPr lang="en-GB" sz="3600" b="0" i="0" u="none" strike="noStrike" cap="none" spc="0">
-                <a:solidFill>
-                  <a:schemeClr val="bg1"/>
-                </a:solidFill>
-                <a:latin typeface="Aptos Display"/>
-                <a:ea typeface="Arial"/>
-                <a:cs typeface="Arial"/>
-              </a:rPr>
-              <a:t> – </a:t>
-            </a:r>
-            <a:r>
               <a:rPr lang="en-US" sz="3600" b="0" i="0" u="none" strike="noStrike" cap="none" spc="0">
                 <a:solidFill>
                   <a:schemeClr val="bg1"/>
@@ -14382,7 +14004,7 @@
       </p:sp>
       <p:sp>
         <p:nvSpPr>
-          <p:cNvPr id="1200754809" name="Content Placeholder 2"/>
+          <p:cNvPr id="1442654682" name="Content Placeholder 2"/>
           <p:cNvSpPr>
             <a:spLocks noGrp="1"/>
           </p:cNvSpPr>
@@ -14392,7 +14014,7 @@
         </p:nvSpPr>
         <p:spPr bwMode="auto">
           <a:xfrm flipH="0" flipV="0">
-            <a:off x="374425" y="1005033"/>
+            <a:off x="374424" y="1005033"/>
             <a:ext cx="10515600" cy="5849843"/>
           </a:xfrm>
         </p:spPr>
@@ -14448,7 +14070,7 @@
       </p:sp>
       <p:pic>
         <p:nvPicPr>
-          <p:cNvPr id="1848086168" name="Picture 3"/>
+          <p:cNvPr id="1137646298" name="Picture 3"/>
           <p:cNvPicPr>
             <a:picLocks noChangeAspect="1"/>
           </p:cNvPicPr>
@@ -14470,7 +14092,7 @@
       </p:pic>
       <p:graphicFrame>
         <p:nvGraphicFramePr>
-          <p:cNvPr id="564158761" name=""/>
+          <p:cNvPr id="372350359" name=""/>
           <p:cNvGraphicFramePr>
             <a:graphicFrameLocks xmlns:a="http://schemas.openxmlformats.org/drawingml/2006/main"/>
           </p:cNvGraphicFramePr>
@@ -14478,7 +14100,7 @@
         </p:nvGraphicFramePr>
         <p:xfrm>
           <a:off x="613670" y="1619332"/>
-          <a:ext cx="5218429" cy="1932939"/>
+          <a:ext cx="5218429" cy="1932938"/>
         </p:xfrm>
         <a:graphic>
           <a:graphicData uri="http://schemas.openxmlformats.org/drawingml/2006/table">
